--- a/PowerPoints/Module_1/Module_1_Introduction.pptx
+++ b/PowerPoints/Module_1/Module_1_Introduction.pptx
@@ -298,7 +298,7 @@
             <a:fld id="{EF562E89-DE1A-41BE-B496-51C497CD17C7}" type="datetimeFigureOut">
               <a:rPr lang="en-US" smtClean="0"/>
               <a:pPr/>
-              <a:t>7/16/2022</a:t>
+              <a:t>7/17/2022</a:t>
             </a:fld>
             <a:endParaRPr lang="en-US"/>
           </a:p>
@@ -465,7 +465,7 @@
             <a:fld id="{EF562E89-DE1A-41BE-B496-51C497CD17C7}" type="datetimeFigureOut">
               <a:rPr lang="en-US" smtClean="0"/>
               <a:pPr/>
-              <a:t>7/16/2022</a:t>
+              <a:t>7/17/2022</a:t>
             </a:fld>
             <a:endParaRPr lang="en-US"/>
           </a:p>
@@ -642,7 +642,7 @@
             <a:fld id="{EF562E89-DE1A-41BE-B496-51C497CD17C7}" type="datetimeFigureOut">
               <a:rPr lang="en-US" smtClean="0"/>
               <a:pPr/>
-              <a:t>7/16/2022</a:t>
+              <a:t>7/17/2022</a:t>
             </a:fld>
             <a:endParaRPr lang="en-US"/>
           </a:p>
@@ -809,7 +809,7 @@
             <a:fld id="{EF562E89-DE1A-41BE-B496-51C497CD17C7}" type="datetimeFigureOut">
               <a:rPr lang="en-US" smtClean="0"/>
               <a:pPr/>
-              <a:t>7/16/2022</a:t>
+              <a:t>7/17/2022</a:t>
             </a:fld>
             <a:endParaRPr lang="en-US"/>
           </a:p>
@@ -1052,7 +1052,7 @@
             <a:fld id="{EF562E89-DE1A-41BE-B496-51C497CD17C7}" type="datetimeFigureOut">
               <a:rPr lang="en-US" smtClean="0"/>
               <a:pPr/>
-              <a:t>7/16/2022</a:t>
+              <a:t>7/17/2022</a:t>
             </a:fld>
             <a:endParaRPr lang="en-US"/>
           </a:p>
@@ -1337,7 +1337,7 @@
             <a:fld id="{EF562E89-DE1A-41BE-B496-51C497CD17C7}" type="datetimeFigureOut">
               <a:rPr lang="en-US" smtClean="0"/>
               <a:pPr/>
-              <a:t>7/16/2022</a:t>
+              <a:t>7/17/2022</a:t>
             </a:fld>
             <a:endParaRPr lang="en-US"/>
           </a:p>
@@ -1756,7 +1756,7 @@
             <a:fld id="{EF562E89-DE1A-41BE-B496-51C497CD17C7}" type="datetimeFigureOut">
               <a:rPr lang="en-US" smtClean="0"/>
               <a:pPr/>
-              <a:t>7/16/2022</a:t>
+              <a:t>7/17/2022</a:t>
             </a:fld>
             <a:endParaRPr lang="en-US"/>
           </a:p>
@@ -1871,7 +1871,7 @@
             <a:fld id="{EF562E89-DE1A-41BE-B496-51C497CD17C7}" type="datetimeFigureOut">
               <a:rPr lang="en-US" smtClean="0"/>
               <a:pPr/>
-              <a:t>7/16/2022</a:t>
+              <a:t>7/17/2022</a:t>
             </a:fld>
             <a:endParaRPr lang="en-US"/>
           </a:p>
@@ -1963,7 +1963,7 @@
             <a:fld id="{EF562E89-DE1A-41BE-B496-51C497CD17C7}" type="datetimeFigureOut">
               <a:rPr lang="en-US" smtClean="0"/>
               <a:pPr/>
-              <a:t>7/16/2022</a:t>
+              <a:t>7/17/2022</a:t>
             </a:fld>
             <a:endParaRPr lang="en-US"/>
           </a:p>
@@ -2237,7 +2237,7 @@
             <a:fld id="{EF562E89-DE1A-41BE-B496-51C497CD17C7}" type="datetimeFigureOut">
               <a:rPr lang="en-US" smtClean="0"/>
               <a:pPr/>
-              <a:t>7/16/2022</a:t>
+              <a:t>7/17/2022</a:t>
             </a:fld>
             <a:endParaRPr lang="en-US"/>
           </a:p>
@@ -2487,7 +2487,7 @@
             <a:fld id="{EF562E89-DE1A-41BE-B496-51C497CD17C7}" type="datetimeFigureOut">
               <a:rPr lang="en-US" smtClean="0"/>
               <a:pPr/>
-              <a:t>7/16/2022</a:t>
+              <a:t>7/17/2022</a:t>
             </a:fld>
             <a:endParaRPr lang="en-US"/>
           </a:p>
@@ -2697,7 +2697,7 @@
             <a:fld id="{EF562E89-DE1A-41BE-B496-51C497CD17C7}" type="datetimeFigureOut">
               <a:rPr lang="en-US" smtClean="0"/>
               <a:pPr/>
-              <a:t>7/16/2022</a:t>
+              <a:t>7/17/2022</a:t>
             </a:fld>
             <a:endParaRPr lang="en-US"/>
           </a:p>
@@ -3329,7 +3329,25 @@
                 </a:solidFill>
                 <a:latin typeface="inter-regular"/>
               </a:rPr>
-              <a:t>object-oriented and secure programming language</a:t>
+              <a:t>object-oriented and secure programming </a:t>
+            </a:r>
+            <a:r>
+              <a:rPr lang="en-US" b="0" i="0" dirty="0" smtClean="0">
+                <a:solidFill>
+                  <a:srgbClr val="333333"/>
+                </a:solidFill>
+                <a:latin typeface="inter-regular"/>
+              </a:rPr>
+              <a:t>language</a:t>
+            </a:r>
+            <a:r>
+              <a:rPr lang="en-US" b="0" i="0" smtClean="0">
+                <a:solidFill>
+                  <a:srgbClr val="333333"/>
+                </a:solidFill>
+                <a:latin typeface="inter-regular"/>
+              </a:rPr>
+              <a:t>, Functional</a:t>
             </a:r>
             <a:endParaRPr lang="en-US" dirty="0"/>
           </a:p>

--- a/PowerPoints/Module_1/Module_1_Introduction.pptx
+++ b/PowerPoints/Module_1/Module_1_Introduction.pptx
@@ -298,7 +298,7 @@
             <a:fld id="{EF562E89-DE1A-41BE-B496-51C497CD17C7}" type="datetimeFigureOut">
               <a:rPr lang="en-US" smtClean="0"/>
               <a:pPr/>
-              <a:t>7/17/2022</a:t>
+              <a:t>7/24/2022</a:t>
             </a:fld>
             <a:endParaRPr lang="en-US"/>
           </a:p>
@@ -465,7 +465,7 @@
             <a:fld id="{EF562E89-DE1A-41BE-B496-51C497CD17C7}" type="datetimeFigureOut">
               <a:rPr lang="en-US" smtClean="0"/>
               <a:pPr/>
-              <a:t>7/17/2022</a:t>
+              <a:t>7/24/2022</a:t>
             </a:fld>
             <a:endParaRPr lang="en-US"/>
           </a:p>
@@ -642,7 +642,7 @@
             <a:fld id="{EF562E89-DE1A-41BE-B496-51C497CD17C7}" type="datetimeFigureOut">
               <a:rPr lang="en-US" smtClean="0"/>
               <a:pPr/>
-              <a:t>7/17/2022</a:t>
+              <a:t>7/24/2022</a:t>
             </a:fld>
             <a:endParaRPr lang="en-US"/>
           </a:p>
@@ -809,7 +809,7 @@
             <a:fld id="{EF562E89-DE1A-41BE-B496-51C497CD17C7}" type="datetimeFigureOut">
               <a:rPr lang="en-US" smtClean="0"/>
               <a:pPr/>
-              <a:t>7/17/2022</a:t>
+              <a:t>7/24/2022</a:t>
             </a:fld>
             <a:endParaRPr lang="en-US"/>
           </a:p>
@@ -1052,7 +1052,7 @@
             <a:fld id="{EF562E89-DE1A-41BE-B496-51C497CD17C7}" type="datetimeFigureOut">
               <a:rPr lang="en-US" smtClean="0"/>
               <a:pPr/>
-              <a:t>7/17/2022</a:t>
+              <a:t>7/24/2022</a:t>
             </a:fld>
             <a:endParaRPr lang="en-US"/>
           </a:p>
@@ -1337,7 +1337,7 @@
             <a:fld id="{EF562E89-DE1A-41BE-B496-51C497CD17C7}" type="datetimeFigureOut">
               <a:rPr lang="en-US" smtClean="0"/>
               <a:pPr/>
-              <a:t>7/17/2022</a:t>
+              <a:t>7/24/2022</a:t>
             </a:fld>
             <a:endParaRPr lang="en-US"/>
           </a:p>
@@ -1756,7 +1756,7 @@
             <a:fld id="{EF562E89-DE1A-41BE-B496-51C497CD17C7}" type="datetimeFigureOut">
               <a:rPr lang="en-US" smtClean="0"/>
               <a:pPr/>
-              <a:t>7/17/2022</a:t>
+              <a:t>7/24/2022</a:t>
             </a:fld>
             <a:endParaRPr lang="en-US"/>
           </a:p>
@@ -1871,7 +1871,7 @@
             <a:fld id="{EF562E89-DE1A-41BE-B496-51C497CD17C7}" type="datetimeFigureOut">
               <a:rPr lang="en-US" smtClean="0"/>
               <a:pPr/>
-              <a:t>7/17/2022</a:t>
+              <a:t>7/24/2022</a:t>
             </a:fld>
             <a:endParaRPr lang="en-US"/>
           </a:p>
@@ -1963,7 +1963,7 @@
             <a:fld id="{EF562E89-DE1A-41BE-B496-51C497CD17C7}" type="datetimeFigureOut">
               <a:rPr lang="en-US" smtClean="0"/>
               <a:pPr/>
-              <a:t>7/17/2022</a:t>
+              <a:t>7/24/2022</a:t>
             </a:fld>
             <a:endParaRPr lang="en-US"/>
           </a:p>
@@ -2237,7 +2237,7 @@
             <a:fld id="{EF562E89-DE1A-41BE-B496-51C497CD17C7}" type="datetimeFigureOut">
               <a:rPr lang="en-US" smtClean="0"/>
               <a:pPr/>
-              <a:t>7/17/2022</a:t>
+              <a:t>7/24/2022</a:t>
             </a:fld>
             <a:endParaRPr lang="en-US"/>
           </a:p>
@@ -2487,7 +2487,7 @@
             <a:fld id="{EF562E89-DE1A-41BE-B496-51C497CD17C7}" type="datetimeFigureOut">
               <a:rPr lang="en-US" smtClean="0"/>
               <a:pPr/>
-              <a:t>7/17/2022</a:t>
+              <a:t>7/24/2022</a:t>
             </a:fld>
             <a:endParaRPr lang="en-US"/>
           </a:p>
@@ -2697,7 +2697,7 @@
             <a:fld id="{EF562E89-DE1A-41BE-B496-51C497CD17C7}" type="datetimeFigureOut">
               <a:rPr lang="en-US" smtClean="0"/>
               <a:pPr/>
-              <a:t>7/17/2022</a:t>
+              <a:t>7/24/2022</a:t>
             </a:fld>
             <a:endParaRPr lang="en-US"/>
           </a:p>
@@ -3318,8 +3318,23 @@
           <a:p>
             <a:r>
               <a:rPr lang="en-US" dirty="0" smtClean="0"/>
-              <a:t>Java is a programming language</a:t>
-            </a:r>
+              <a:t>Java/C/C++ </a:t>
+            </a:r>
+            <a:r>
+              <a:rPr lang="en-US" dirty="0" smtClean="0"/>
+              <a:t>is a programming </a:t>
+            </a:r>
+            <a:r>
+              <a:rPr lang="en-US" dirty="0" smtClean="0"/>
+              <a:t>language</a:t>
+            </a:r>
+          </a:p>
+          <a:p>
+            <a:r>
+              <a:rPr lang="en-US" dirty="0" smtClean="0"/>
+              <a:t>To communicate to machine</a:t>
+            </a:r>
+            <a:endParaRPr lang="en-US" dirty="0" smtClean="0"/>
           </a:p>
           <a:p>
             <a:r>
@@ -3329,7 +3344,7 @@
                 </a:solidFill>
                 <a:latin typeface="inter-regular"/>
               </a:rPr>
-              <a:t>object-oriented and secure programming </a:t>
+              <a:t>object-oriented and secure programming language, </a:t>
             </a:r>
             <a:r>
               <a:rPr lang="en-US" b="0" i="0" dirty="0" smtClean="0">
@@ -3338,16 +3353,7 @@
                 </a:solidFill>
                 <a:latin typeface="inter-regular"/>
               </a:rPr>
-              <a:t>language</a:t>
-            </a:r>
-            <a:r>
-              <a:rPr lang="en-US" b="0" i="0" smtClean="0">
-                <a:solidFill>
-                  <a:srgbClr val="333333"/>
-                </a:solidFill>
-                <a:latin typeface="inter-regular"/>
-              </a:rPr>
-              <a:t>, Functional</a:t>
+              <a:t>Functional programming</a:t>
             </a:r>
             <a:endParaRPr lang="en-US" dirty="0"/>
           </a:p>
@@ -6010,31 +6016,41 @@
           <a:p>
             <a:r>
               <a:rPr lang="en-US" dirty="0" smtClean="0"/>
-              <a:t>Web</a:t>
-            </a:r>
+              <a:t>Web </a:t>
+            </a:r>
+            <a:endParaRPr lang="en-US" dirty="0" smtClean="0"/>
           </a:p>
           <a:p>
             <a:r>
               <a:rPr lang="en-US" dirty="0" smtClean="0"/>
-              <a:t>Desktop</a:t>
-            </a:r>
+              <a:t>Desktop   hypermarket</a:t>
+            </a:r>
+            <a:endParaRPr lang="en-US" dirty="0" smtClean="0"/>
           </a:p>
           <a:p>
             <a:r>
               <a:rPr lang="en-US" dirty="0" smtClean="0"/>
-              <a:t>Mobile</a:t>
-            </a:r>
+              <a:t>Mobile   -&gt; Android</a:t>
+            </a:r>
+            <a:endParaRPr lang="en-US" dirty="0" smtClean="0"/>
           </a:p>
           <a:p>
             <a:r>
               <a:rPr lang="en-US" dirty="0" smtClean="0"/>
-              <a:t>Embedded</a:t>
-            </a:r>
+              <a:t>Embedded  -&gt;&gt;&gt; java related application</a:t>
+            </a:r>
+            <a:endParaRPr lang="en-US" dirty="0" smtClean="0"/>
           </a:p>
           <a:p>
             <a:r>
               <a:rPr lang="en-US" dirty="0" smtClean="0"/>
               <a:t>Robotics</a:t>
+            </a:r>
+            <a:r>
+              <a:rPr lang="en-US" dirty="0" smtClean="0">
+                <a:sym typeface="Wingdings" pitchFamily="2" charset="2"/>
+              </a:rPr>
+              <a:t> </a:t>
             </a:r>
             <a:endParaRPr lang="en-US" dirty="0"/>
           </a:p>
@@ -6105,20 +6121,79 @@
           <a:p>
             <a:r>
               <a:rPr lang="en-US" dirty="0"/>
-              <a:t>Standalone Application</a:t>
-            </a:r>
+              <a:t>Standalone </a:t>
+            </a:r>
+            <a:r>
+              <a:rPr lang="en-US" dirty="0" smtClean="0"/>
+              <a:t>Application</a:t>
+            </a:r>
+            <a:r>
+              <a:rPr lang="en-US" dirty="0" smtClean="0">
+                <a:sym typeface="Wingdings" pitchFamily="2" charset="2"/>
+              </a:rPr>
+              <a:t> </a:t>
+            </a:r>
+            <a:r>
+              <a:rPr lang="en-US" dirty="0" err="1" smtClean="0">
+                <a:sym typeface="Wingdings" pitchFamily="2" charset="2"/>
+              </a:rPr>
+              <a:t>supermarkers</a:t>
+            </a:r>
+            <a:endParaRPr lang="en-US" dirty="0"/>
           </a:p>
           <a:p>
             <a:r>
               <a:rPr lang="en-US" dirty="0"/>
-              <a:t>Web Application</a:t>
-            </a:r>
+              <a:t>Web </a:t>
+            </a:r>
+            <a:r>
+              <a:rPr lang="en-US" dirty="0" smtClean="0"/>
+              <a:t>Application</a:t>
+            </a:r>
+            <a:r>
+              <a:rPr lang="en-US" dirty="0" smtClean="0">
+                <a:sym typeface="Wingdings" pitchFamily="2" charset="2"/>
+              </a:rPr>
+              <a:t> </a:t>
+            </a:r>
+            <a:r>
+              <a:rPr lang="en-US" dirty="0" err="1" smtClean="0">
+                <a:sym typeface="Wingdings" pitchFamily="2" charset="2"/>
+              </a:rPr>
+              <a:t>besant</a:t>
+            </a:r>
+            <a:r>
+              <a:rPr lang="en-US" dirty="0" smtClean="0">
+                <a:sym typeface="Wingdings" pitchFamily="2" charset="2"/>
+              </a:rPr>
+              <a:t> technologies/</a:t>
+            </a:r>
+            <a:r>
+              <a:rPr lang="en-US" dirty="0" err="1" smtClean="0">
+                <a:sym typeface="Wingdings" pitchFamily="2" charset="2"/>
+              </a:rPr>
+              <a:t>google</a:t>
+            </a:r>
+            <a:endParaRPr lang="en-US" dirty="0"/>
           </a:p>
           <a:p>
             <a:r>
               <a:rPr lang="en-US" dirty="0"/>
-              <a:t>Enterprise Application</a:t>
-            </a:r>
+              <a:t>Enterprise </a:t>
+            </a:r>
+            <a:r>
+              <a:rPr lang="en-US" dirty="0" smtClean="0"/>
+              <a:t>Application  </a:t>
+            </a:r>
+            <a:r>
+              <a:rPr lang="en-US" dirty="0" err="1" smtClean="0"/>
+              <a:t>amazone</a:t>
+            </a:r>
+            <a:r>
+              <a:rPr lang="en-US" dirty="0" smtClean="0"/>
+              <a:t> website/Ecommerce</a:t>
+            </a:r>
+            <a:endParaRPr lang="en-US" dirty="0"/>
           </a:p>
           <a:p>
             <a:r>
@@ -6127,6 +6202,10 @@
             </a:r>
           </a:p>
           <a:p>
+            <a:r>
+              <a:rPr lang="en-US" dirty="0" smtClean="0"/>
+              <a:t>-&gt;.Android</a:t>
+            </a:r>
             <a:endParaRPr lang="en-US" dirty="0"/>
           </a:p>
         </p:txBody>
@@ -6192,8 +6271,17 @@
           <a:p>
             <a:r>
               <a:rPr lang="en-US" dirty="0"/>
-              <a:t>The current stable release of Java is Java SE 10</a:t>
-            </a:r>
+              <a:t>The current stable release of Java is Java </a:t>
+            </a:r>
+            <a:r>
+              <a:rPr lang="en-US"/>
+              <a:t>SE </a:t>
+            </a:r>
+            <a:r>
+              <a:rPr lang="en-US" smtClean="0"/>
+              <a:t>10/11</a:t>
+            </a:r>
+            <a:endParaRPr lang="en-US" dirty="0"/>
           </a:p>
         </p:txBody>
       </p:sp>
